--- a/Presentation.pptx
+++ b/Presentation.pptx
@@ -6723,6 +6723,48 @@
         <p:spPr>
           <a:xfrm>
             <a:off x="5857875" y="4809722"/>
+            <a:ext cx="2571750" cy="646331"/>
+          </a:xfrm>
+          <a:prstGeom prst="rect">
+            <a:avLst/>
+          </a:prstGeom>
+          <a:solidFill>
+            <a:schemeClr val="bg1"/>
+          </a:solidFill>
+        </p:spPr>
+        <p:txBody>
+          <a:bodyPr wrap="square">
+            <a:spAutoFit/>
+          </a:bodyPr>
+          <a:lstStyle/>
+          <a:p>
+            <a:r>
+              <a:rPr lang="en-US" dirty="0"/>
+              <a:t>Using Grid Search </a:t>
+            </a:r>
+            <a:r>
+              <a:rPr lang="en-US"/>
+              <a:t>to get best params</a:t>
+            </a:r>
+            <a:endParaRPr lang="ru-RU" dirty="0"/>
+          </a:p>
+        </p:txBody>
+      </p:sp>
+      <p:sp>
+        <p:nvSpPr>
+          <p:cNvPr id="8" name="Rectangle 7">
+            <a:extLst>
+              <a:ext uri="{FF2B5EF4-FFF2-40B4-BE49-F238E27FC236}">
+                <a16:creationId xmlns:a16="http://schemas.microsoft.com/office/drawing/2014/main" id="{4CABC97E-6B05-43D4-B7AD-E2562BA9E8E8}"/>
+              </a:ext>
+            </a:extLst>
+          </p:cNvPr>
+          <p:cNvSpPr/>
+          <p:nvPr/>
+        </p:nvSpPr>
+        <p:spPr>
+          <a:xfrm>
+            <a:off x="9201151" y="4809722"/>
             <a:ext cx="2571750" cy="1200329"/>
           </a:xfrm>
           <a:prstGeom prst="rect">
